--- a/PPT/02 Android开发环境搭建.pptx
+++ b/PPT/02 Android开发环境搭建.pptx
@@ -23217,8 +23217,8 @@
         </p:blipFill>
         <p:spPr>
           <a:xfrm>
-            <a:off x="4933982" y="3147814"/>
-            <a:ext cx="3671089" cy="1467116"/>
+            <a:off x="3419872" y="1590908"/>
+            <a:ext cx="6703521" cy="2678999"/>
           </a:xfrm>
           <a:prstGeom prst="rect">
             <a:avLst/>
